--- a/Presentation1.pptx
+++ b/Presentation1.pptx
@@ -10,7 +10,8 @@
     <p:sldId id="258" r:id="rId4"/>
     <p:sldId id="259" r:id="rId5"/>
     <p:sldId id="260" r:id="rId6"/>
-    <p:sldId id="261" r:id="rId7"/>
+    <p:sldId id="262" r:id="rId7"/>
+    <p:sldId id="261" r:id="rId8"/>
   </p:sldIdLst>
   <p:sldSz cx="9144000" cy="6858000" type="screen4x3"/>
   <p:notesSz cx="6858000" cy="9144000"/>
@@ -111,7 +112,7 @@
   </p:defaultTextStyle>
   <p:extLst>
     <p:ext uri="{EFAFB233-063F-42B5-8137-9DF3F51BA10A}">
-      <p15:sldGuideLst xmlns:p15="http://schemas.microsoft.com/office/powerpoint/2012/main" xmlns="">
+      <p15:sldGuideLst xmlns="" xmlns:p15="http://schemas.microsoft.com/office/powerpoint/2012/main">
         <p15:guide id="1" orient="horz" pos="2160">
           <p15:clr>
             <a:srgbClr val="A4A3A4"/>
@@ -315,7 +316,8 @@
           <a:p>
             <a:fld id="{C2BBB752-BD2B-C14A-A6DF-EAC397B3C239}" type="datetimeFigureOut">
               <a:rPr lang="en-US" smtClean="0"/>
-              <a:t>9/22/14</a:t>
+              <a:pPr/>
+              <a:t>9/25/2014</a:t>
             </a:fld>
             <a:endParaRPr lang="en-US"/>
           </a:p>
@@ -357,6 +359,7 @@
           <a:p>
             <a:fld id="{5A1DBDF3-B9DB-544C-9B95-3B2FB4DA5D6B}" type="slidenum">
               <a:rPr lang="en-US" smtClean="0"/>
+              <a:pPr/>
               <a:t>‹#›</a:t>
             </a:fld>
             <a:endParaRPr lang="en-US"/>
@@ -366,7 +369,7 @@
     </p:spTree>
     <p:extLst>
       <p:ext uri="{BB962C8B-B14F-4D97-AF65-F5344CB8AC3E}">
-        <p14:creationId xmlns:p14="http://schemas.microsoft.com/office/powerpoint/2010/main" val="341704989"/>
+        <p14:creationId xmlns:p14="http://schemas.microsoft.com/office/powerpoint/2010/main" xmlns="" val="341704989"/>
       </p:ext>
     </p:extLst>
   </p:cSld>
@@ -485,7 +488,8 @@
           <a:p>
             <a:fld id="{C2BBB752-BD2B-C14A-A6DF-EAC397B3C239}" type="datetimeFigureOut">
               <a:rPr lang="en-US" smtClean="0"/>
-              <a:t>9/22/14</a:t>
+              <a:pPr/>
+              <a:t>9/25/2014</a:t>
             </a:fld>
             <a:endParaRPr lang="en-US"/>
           </a:p>
@@ -527,6 +531,7 @@
           <a:p>
             <a:fld id="{5A1DBDF3-B9DB-544C-9B95-3B2FB4DA5D6B}" type="slidenum">
               <a:rPr lang="en-US" smtClean="0"/>
+              <a:pPr/>
               <a:t>‹#›</a:t>
             </a:fld>
             <a:endParaRPr lang="en-US"/>
@@ -536,7 +541,7 @@
     </p:spTree>
     <p:extLst>
       <p:ext uri="{BB962C8B-B14F-4D97-AF65-F5344CB8AC3E}">
-        <p14:creationId xmlns:p14="http://schemas.microsoft.com/office/powerpoint/2010/main" val="2287581780"/>
+        <p14:creationId xmlns:p14="http://schemas.microsoft.com/office/powerpoint/2010/main" xmlns="" val="2287581780"/>
       </p:ext>
     </p:extLst>
   </p:cSld>
@@ -665,7 +670,8 @@
           <a:p>
             <a:fld id="{C2BBB752-BD2B-C14A-A6DF-EAC397B3C239}" type="datetimeFigureOut">
               <a:rPr lang="en-US" smtClean="0"/>
-              <a:t>9/22/14</a:t>
+              <a:pPr/>
+              <a:t>9/25/2014</a:t>
             </a:fld>
             <a:endParaRPr lang="en-US"/>
           </a:p>
@@ -707,6 +713,7 @@
           <a:p>
             <a:fld id="{5A1DBDF3-B9DB-544C-9B95-3B2FB4DA5D6B}" type="slidenum">
               <a:rPr lang="en-US" smtClean="0"/>
+              <a:pPr/>
               <a:t>‹#›</a:t>
             </a:fld>
             <a:endParaRPr lang="en-US"/>
@@ -716,7 +723,7 @@
     </p:spTree>
     <p:extLst>
       <p:ext uri="{BB962C8B-B14F-4D97-AF65-F5344CB8AC3E}">
-        <p14:creationId xmlns:p14="http://schemas.microsoft.com/office/powerpoint/2010/main" val="2068506392"/>
+        <p14:creationId xmlns:p14="http://schemas.microsoft.com/office/powerpoint/2010/main" xmlns="" val="2068506392"/>
       </p:ext>
     </p:extLst>
   </p:cSld>
@@ -835,7 +842,8 @@
           <a:p>
             <a:fld id="{C2BBB752-BD2B-C14A-A6DF-EAC397B3C239}" type="datetimeFigureOut">
               <a:rPr lang="en-US" smtClean="0"/>
-              <a:t>9/22/14</a:t>
+              <a:pPr/>
+              <a:t>9/25/2014</a:t>
             </a:fld>
             <a:endParaRPr lang="en-US"/>
           </a:p>
@@ -877,6 +885,7 @@
           <a:p>
             <a:fld id="{5A1DBDF3-B9DB-544C-9B95-3B2FB4DA5D6B}" type="slidenum">
               <a:rPr lang="en-US" smtClean="0"/>
+              <a:pPr/>
               <a:t>‹#›</a:t>
             </a:fld>
             <a:endParaRPr lang="en-US"/>
@@ -886,7 +895,7 @@
     </p:spTree>
     <p:extLst>
       <p:ext uri="{BB962C8B-B14F-4D97-AF65-F5344CB8AC3E}">
-        <p14:creationId xmlns:p14="http://schemas.microsoft.com/office/powerpoint/2010/main" val="2665072657"/>
+        <p14:creationId xmlns:p14="http://schemas.microsoft.com/office/powerpoint/2010/main" xmlns="" val="2665072657"/>
       </p:ext>
     </p:extLst>
   </p:cSld>
@@ -1081,7 +1090,8 @@
           <a:p>
             <a:fld id="{C2BBB752-BD2B-C14A-A6DF-EAC397B3C239}" type="datetimeFigureOut">
               <a:rPr lang="en-US" smtClean="0"/>
-              <a:t>9/22/14</a:t>
+              <a:pPr/>
+              <a:t>9/25/2014</a:t>
             </a:fld>
             <a:endParaRPr lang="en-US"/>
           </a:p>
@@ -1123,6 +1133,7 @@
           <a:p>
             <a:fld id="{5A1DBDF3-B9DB-544C-9B95-3B2FB4DA5D6B}" type="slidenum">
               <a:rPr lang="en-US" smtClean="0"/>
+              <a:pPr/>
               <a:t>‹#›</a:t>
             </a:fld>
             <a:endParaRPr lang="en-US"/>
@@ -1132,7 +1143,7 @@
     </p:spTree>
     <p:extLst>
       <p:ext uri="{BB962C8B-B14F-4D97-AF65-F5344CB8AC3E}">
-        <p14:creationId xmlns:p14="http://schemas.microsoft.com/office/powerpoint/2010/main" val="410318227"/>
+        <p14:creationId xmlns:p14="http://schemas.microsoft.com/office/powerpoint/2010/main" xmlns="" val="410318227"/>
       </p:ext>
     </p:extLst>
   </p:cSld>
@@ -1369,7 +1380,8 @@
           <a:p>
             <a:fld id="{C2BBB752-BD2B-C14A-A6DF-EAC397B3C239}" type="datetimeFigureOut">
               <a:rPr lang="en-US" smtClean="0"/>
-              <a:t>9/22/14</a:t>
+              <a:pPr/>
+              <a:t>9/25/2014</a:t>
             </a:fld>
             <a:endParaRPr lang="en-US"/>
           </a:p>
@@ -1411,6 +1423,7 @@
           <a:p>
             <a:fld id="{5A1DBDF3-B9DB-544C-9B95-3B2FB4DA5D6B}" type="slidenum">
               <a:rPr lang="en-US" smtClean="0"/>
+              <a:pPr/>
               <a:t>‹#›</a:t>
             </a:fld>
             <a:endParaRPr lang="en-US"/>
@@ -1420,7 +1433,7 @@
     </p:spTree>
     <p:extLst>
       <p:ext uri="{BB962C8B-B14F-4D97-AF65-F5344CB8AC3E}">
-        <p14:creationId xmlns:p14="http://schemas.microsoft.com/office/powerpoint/2010/main" val="4204725180"/>
+        <p14:creationId xmlns:p14="http://schemas.microsoft.com/office/powerpoint/2010/main" xmlns="" val="4204725180"/>
       </p:ext>
     </p:extLst>
   </p:cSld>
@@ -1791,7 +1804,8 @@
           <a:p>
             <a:fld id="{C2BBB752-BD2B-C14A-A6DF-EAC397B3C239}" type="datetimeFigureOut">
               <a:rPr lang="en-US" smtClean="0"/>
-              <a:t>9/22/14</a:t>
+              <a:pPr/>
+              <a:t>9/25/2014</a:t>
             </a:fld>
             <a:endParaRPr lang="en-US"/>
           </a:p>
@@ -1833,6 +1847,7 @@
           <a:p>
             <a:fld id="{5A1DBDF3-B9DB-544C-9B95-3B2FB4DA5D6B}" type="slidenum">
               <a:rPr lang="en-US" smtClean="0"/>
+              <a:pPr/>
               <a:t>‹#›</a:t>
             </a:fld>
             <a:endParaRPr lang="en-US"/>
@@ -1842,7 +1857,7 @@
     </p:spTree>
     <p:extLst>
       <p:ext uri="{BB962C8B-B14F-4D97-AF65-F5344CB8AC3E}">
-        <p14:creationId xmlns:p14="http://schemas.microsoft.com/office/powerpoint/2010/main" val="1985187014"/>
+        <p14:creationId xmlns:p14="http://schemas.microsoft.com/office/powerpoint/2010/main" xmlns="" val="1985187014"/>
       </p:ext>
     </p:extLst>
   </p:cSld>
@@ -1909,7 +1924,8 @@
           <a:p>
             <a:fld id="{C2BBB752-BD2B-C14A-A6DF-EAC397B3C239}" type="datetimeFigureOut">
               <a:rPr lang="en-US" smtClean="0"/>
-              <a:t>9/22/14</a:t>
+              <a:pPr/>
+              <a:t>9/25/2014</a:t>
             </a:fld>
             <a:endParaRPr lang="en-US"/>
           </a:p>
@@ -1951,6 +1967,7 @@
           <a:p>
             <a:fld id="{5A1DBDF3-B9DB-544C-9B95-3B2FB4DA5D6B}" type="slidenum">
               <a:rPr lang="en-US" smtClean="0"/>
+              <a:pPr/>
               <a:t>‹#›</a:t>
             </a:fld>
             <a:endParaRPr lang="en-US"/>
@@ -1960,7 +1977,7 @@
     </p:spTree>
     <p:extLst>
       <p:ext uri="{BB962C8B-B14F-4D97-AF65-F5344CB8AC3E}">
-        <p14:creationId xmlns:p14="http://schemas.microsoft.com/office/powerpoint/2010/main" val="3589716167"/>
+        <p14:creationId xmlns:p14="http://schemas.microsoft.com/office/powerpoint/2010/main" xmlns="" val="3589716167"/>
       </p:ext>
     </p:extLst>
   </p:cSld>
@@ -2004,7 +2021,8 @@
           <a:p>
             <a:fld id="{C2BBB752-BD2B-C14A-A6DF-EAC397B3C239}" type="datetimeFigureOut">
               <a:rPr lang="en-US" smtClean="0"/>
-              <a:t>9/22/14</a:t>
+              <a:pPr/>
+              <a:t>9/25/2014</a:t>
             </a:fld>
             <a:endParaRPr lang="en-US"/>
           </a:p>
@@ -2046,6 +2064,7 @@
           <a:p>
             <a:fld id="{5A1DBDF3-B9DB-544C-9B95-3B2FB4DA5D6B}" type="slidenum">
               <a:rPr lang="en-US" smtClean="0"/>
+              <a:pPr/>
               <a:t>‹#›</a:t>
             </a:fld>
             <a:endParaRPr lang="en-US"/>
@@ -2055,7 +2074,7 @@
     </p:spTree>
     <p:extLst>
       <p:ext uri="{BB962C8B-B14F-4D97-AF65-F5344CB8AC3E}">
-        <p14:creationId xmlns:p14="http://schemas.microsoft.com/office/powerpoint/2010/main" val="1160809676"/>
+        <p14:creationId xmlns:p14="http://schemas.microsoft.com/office/powerpoint/2010/main" xmlns="" val="1160809676"/>
       </p:ext>
     </p:extLst>
   </p:cSld>
@@ -2281,7 +2300,8 @@
           <a:p>
             <a:fld id="{C2BBB752-BD2B-C14A-A6DF-EAC397B3C239}" type="datetimeFigureOut">
               <a:rPr lang="en-US" smtClean="0"/>
-              <a:t>9/22/14</a:t>
+              <a:pPr/>
+              <a:t>9/25/2014</a:t>
             </a:fld>
             <a:endParaRPr lang="en-US"/>
           </a:p>
@@ -2323,6 +2343,7 @@
           <a:p>
             <a:fld id="{5A1DBDF3-B9DB-544C-9B95-3B2FB4DA5D6B}" type="slidenum">
               <a:rPr lang="en-US" smtClean="0"/>
+              <a:pPr/>
               <a:t>‹#›</a:t>
             </a:fld>
             <a:endParaRPr lang="en-US"/>
@@ -2332,7 +2353,7 @@
     </p:spTree>
     <p:extLst>
       <p:ext uri="{BB962C8B-B14F-4D97-AF65-F5344CB8AC3E}">
-        <p14:creationId xmlns:p14="http://schemas.microsoft.com/office/powerpoint/2010/main" val="2946926832"/>
+        <p14:creationId xmlns:p14="http://schemas.microsoft.com/office/powerpoint/2010/main" xmlns="" val="2946926832"/>
       </p:ext>
     </p:extLst>
   </p:cSld>
@@ -2534,7 +2555,8 @@
           <a:p>
             <a:fld id="{C2BBB752-BD2B-C14A-A6DF-EAC397B3C239}" type="datetimeFigureOut">
               <a:rPr lang="en-US" smtClean="0"/>
-              <a:t>9/22/14</a:t>
+              <a:pPr/>
+              <a:t>9/25/2014</a:t>
             </a:fld>
             <a:endParaRPr lang="en-US"/>
           </a:p>
@@ -2576,6 +2598,7 @@
           <a:p>
             <a:fld id="{5A1DBDF3-B9DB-544C-9B95-3B2FB4DA5D6B}" type="slidenum">
               <a:rPr lang="en-US" smtClean="0"/>
+              <a:pPr/>
               <a:t>‹#›</a:t>
             </a:fld>
             <a:endParaRPr lang="en-US"/>
@@ -2585,7 +2608,7 @@
     </p:spTree>
     <p:extLst>
       <p:ext uri="{BB962C8B-B14F-4D97-AF65-F5344CB8AC3E}">
-        <p14:creationId xmlns:p14="http://schemas.microsoft.com/office/powerpoint/2010/main" val="447715972"/>
+        <p14:creationId xmlns:p14="http://schemas.microsoft.com/office/powerpoint/2010/main" xmlns="" val="447715972"/>
       </p:ext>
     </p:extLst>
   </p:cSld>
@@ -2747,7 +2770,8 @@
           <a:p>
             <a:fld id="{C2BBB752-BD2B-C14A-A6DF-EAC397B3C239}" type="datetimeFigureOut">
               <a:rPr lang="en-US" smtClean="0"/>
-              <a:t>9/22/14</a:t>
+              <a:pPr/>
+              <a:t>9/25/2014</a:t>
             </a:fld>
             <a:endParaRPr lang="en-US"/>
           </a:p>
@@ -2825,6 +2849,7 @@
           <a:p>
             <a:fld id="{5A1DBDF3-B9DB-544C-9B95-3B2FB4DA5D6B}" type="slidenum">
               <a:rPr lang="en-US" smtClean="0"/>
+              <a:pPr/>
               <a:t>‹#›</a:t>
             </a:fld>
             <a:endParaRPr lang="en-US"/>
@@ -2834,7 +2859,7 @@
     </p:spTree>
     <p:extLst>
       <p:ext uri="{BB962C8B-B14F-4D97-AF65-F5344CB8AC3E}">
-        <p14:creationId xmlns:p14="http://schemas.microsoft.com/office/powerpoint/2010/main" val="2503872057"/>
+        <p14:creationId xmlns:p14="http://schemas.microsoft.com/office/powerpoint/2010/main" xmlns="" val="2503872057"/>
       </p:ext>
     </p:extLst>
   </p:cSld>
@@ -3228,7 +3253,7 @@
     </p:spTree>
     <p:extLst>
       <p:ext uri="{BB962C8B-B14F-4D97-AF65-F5344CB8AC3E}">
-        <p14:creationId xmlns:p14="http://schemas.microsoft.com/office/powerpoint/2010/main" val="598410345"/>
+        <p14:creationId xmlns:p14="http://schemas.microsoft.com/office/powerpoint/2010/main" xmlns="" val="598410345"/>
       </p:ext>
     </p:extLst>
   </p:cSld>
@@ -3238,7 +3263,7 @@
   <p:timing>
     <p:tnLst>
       <p:par>
-        <p:cTn xmlns:p14="http://schemas.microsoft.com/office/powerpoint/2010/main" id="1" dur="indefinite" restart="never" nodeType="tmRoot"/>
+        <p:cTn id="1" dur="indefinite" restart="never" nodeType="tmRoot"/>
       </p:par>
     </p:tnLst>
   </p:timing>
@@ -3342,7 +3367,7 @@
           <a:blip r:embed="rId2">
             <a:extLst>
               <a:ext uri="{28A0092B-C50C-407E-A947-70E740481C1C}">
-                <a14:useLocalDpi xmlns:a14="http://schemas.microsoft.com/office/drawing/2010/main" val="0"/>
+                <a14:useLocalDpi xmlns:a14="http://schemas.microsoft.com/office/drawing/2010/main" xmlns="" val="0"/>
               </a:ext>
             </a:extLst>
           </a:blip>
@@ -3362,7 +3387,7 @@
     </p:spTree>
     <p:extLst>
       <p:ext uri="{BB962C8B-B14F-4D97-AF65-F5344CB8AC3E}">
-        <p14:creationId xmlns:p14="http://schemas.microsoft.com/office/powerpoint/2010/main" val="3378250564"/>
+        <p14:creationId xmlns:p14="http://schemas.microsoft.com/office/powerpoint/2010/main" xmlns="" val="3378250564"/>
       </p:ext>
     </p:extLst>
   </p:cSld>
@@ -3372,7 +3397,7 @@
   <p:timing>
     <p:tnLst>
       <p:par>
-        <p:cTn xmlns:p14="http://schemas.microsoft.com/office/powerpoint/2010/main" id="1" dur="indefinite" restart="never" nodeType="tmRoot"/>
+        <p:cTn id="1" dur="indefinite" restart="never" nodeType="tmRoot"/>
       </p:par>
     </p:tnLst>
   </p:timing>
@@ -3509,7 +3534,7 @@
           <a:blip r:embed="rId2">
             <a:extLst>
               <a:ext uri="{28A0092B-C50C-407E-A947-70E740481C1C}">
-                <a14:useLocalDpi xmlns:a14="http://schemas.microsoft.com/office/drawing/2010/main" val="0"/>
+                <a14:useLocalDpi xmlns:a14="http://schemas.microsoft.com/office/drawing/2010/main" xmlns="" val="0"/>
               </a:ext>
             </a:extLst>
           </a:blip>
@@ -3529,7 +3554,7 @@
           <a:noFill/>
           <a:extLst>
             <a:ext uri="{909E8E84-426E-40dd-AFC4-6F175D3DCCD1}">
-              <a14:hiddenFill xmlns:a14="http://schemas.microsoft.com/office/drawing/2010/main">
+              <a14:hiddenFill xmlns:a14="http://schemas.microsoft.com/office/drawing/2010/main" xmlns="">
                 <a:solidFill>
                   <a:srgbClr val="FFFFFF"/>
                 </a:solidFill>
@@ -3550,7 +3575,7 @@
           <a:blip r:embed="rId3">
             <a:extLst>
               <a:ext uri="{28A0092B-C50C-407E-A947-70E740481C1C}">
-                <a14:useLocalDpi xmlns:a14="http://schemas.microsoft.com/office/drawing/2010/main" val="0"/>
+                <a14:useLocalDpi xmlns:a14="http://schemas.microsoft.com/office/drawing/2010/main" xmlns="" val="0"/>
               </a:ext>
             </a:extLst>
           </a:blip>
@@ -3571,7 +3596,7 @@
     </p:spTree>
     <p:extLst>
       <p:ext uri="{BB962C8B-B14F-4D97-AF65-F5344CB8AC3E}">
-        <p14:creationId xmlns:p14="http://schemas.microsoft.com/office/powerpoint/2010/main" val="3476780197"/>
+        <p14:creationId xmlns:p14="http://schemas.microsoft.com/office/powerpoint/2010/main" xmlns="" val="3476780197"/>
       </p:ext>
     </p:extLst>
   </p:cSld>
@@ -3581,7 +3606,7 @@
   <p:timing>
     <p:tnLst>
       <p:par>
-        <p:cTn xmlns:p14="http://schemas.microsoft.com/office/powerpoint/2010/main" id="1" dur="indefinite" restart="never" nodeType="tmRoot"/>
+        <p:cTn id="1" dur="indefinite" restart="never" nodeType="tmRoot"/>
       </p:par>
     </p:tnLst>
   </p:timing>
@@ -3703,7 +3728,7 @@
     </p:spTree>
     <p:extLst>
       <p:ext uri="{BB962C8B-B14F-4D97-AF65-F5344CB8AC3E}">
-        <p14:creationId xmlns:p14="http://schemas.microsoft.com/office/powerpoint/2010/main" val="2030053010"/>
+        <p14:creationId xmlns:p14="http://schemas.microsoft.com/office/powerpoint/2010/main" xmlns="" val="2030053010"/>
       </p:ext>
     </p:extLst>
   </p:cSld>
@@ -3713,7 +3738,7 @@
   <p:timing>
     <p:tnLst>
       <p:par>
-        <p:cTn xmlns:p14="http://schemas.microsoft.com/office/powerpoint/2010/main" id="1" dur="indefinite" restart="never" nodeType="tmRoot"/>
+        <p:cTn id="1" dur="indefinite" restart="never" nodeType="tmRoot"/>
       </p:par>
     </p:tnLst>
   </p:timing>
@@ -3779,11 +3804,7 @@
           <a:p>
             <a:r>
               <a:rPr lang="en-US" dirty="0" smtClean="0"/>
-              <a:t>Ticketing-based </a:t>
-            </a:r>
-            <a:r>
-              <a:rPr lang="en-US" dirty="0" smtClean="0"/>
-              <a:t>systems</a:t>
+              <a:t>Ticketing-based systems</a:t>
             </a:r>
           </a:p>
           <a:p>
@@ -3792,16 +3813,11 @@
               <a:rPr lang="en-US" dirty="0" smtClean="0"/>
               <a:t>Numerous Garages</a:t>
             </a:r>
-            <a:endParaRPr lang="en-US" dirty="0" smtClean="0"/>
           </a:p>
           <a:p>
             <a:r>
               <a:rPr lang="en-US" dirty="0" smtClean="0"/>
-              <a:t>Sensor-based </a:t>
-            </a:r>
-            <a:r>
-              <a:rPr lang="en-US" dirty="0" smtClean="0"/>
-              <a:t>systems</a:t>
+              <a:t>Sensor-based systems</a:t>
             </a:r>
           </a:p>
           <a:p>
@@ -3810,16 +3826,11 @@
               <a:rPr lang="en-US" dirty="0" smtClean="0"/>
               <a:t>San Francisco's SF park</a:t>
             </a:r>
-            <a:endParaRPr lang="en-US" dirty="0" smtClean="0"/>
           </a:p>
           <a:p>
             <a:r>
               <a:rPr lang="en-US" dirty="0" smtClean="0"/>
-              <a:t>Image-processing </a:t>
-            </a:r>
-            <a:r>
-              <a:rPr lang="en-US" dirty="0" smtClean="0"/>
-              <a:t>systems</a:t>
+              <a:t>Image-processing systems</a:t>
             </a:r>
           </a:p>
           <a:p>
@@ -3835,7 +3846,7 @@
     </p:spTree>
     <p:extLst>
       <p:ext uri="{BB962C8B-B14F-4D97-AF65-F5344CB8AC3E}">
-        <p14:creationId xmlns:p14="http://schemas.microsoft.com/office/powerpoint/2010/main" val="545706399"/>
+        <p14:creationId xmlns:p14="http://schemas.microsoft.com/office/powerpoint/2010/main" xmlns="" val="545706399"/>
       </p:ext>
     </p:extLst>
   </p:cSld>
@@ -3845,7 +3856,7 @@
   <p:timing>
     <p:tnLst>
       <p:par>
-        <p:cTn xmlns:p14="http://schemas.microsoft.com/office/powerpoint/2010/main" id="1" dur="indefinite" restart="never" nodeType="tmRoot"/>
+        <p:cTn id="1" dur="indefinite" restart="never" nodeType="tmRoot"/>
       </p:par>
     </p:tnLst>
   </p:timing>
@@ -3871,6 +3882,78 @@
       </p:grpSpPr>
       <p:sp>
         <p:nvSpPr>
+          <p:cNvPr id="2" name="Title 1"/>
+          <p:cNvSpPr>
+            <a:spLocks noGrp="1"/>
+          </p:cNvSpPr>
+          <p:nvPr>
+            <p:ph type="title"/>
+          </p:nvPr>
+        </p:nvSpPr>
+        <p:spPr/>
+        <p:txBody>
+          <a:bodyPr>
+            <a:normAutofit/>
+          </a:bodyPr>
+          <a:lstStyle/>
+          <a:p>
+            <a:r>
+              <a:rPr lang="en-US" dirty="0" smtClean="0"/>
+              <a:t>A Blank Slide</a:t>
+            </a:r>
+            <a:endParaRPr lang="en-US" dirty="0"/>
+          </a:p>
+        </p:txBody>
+      </p:sp>
+      <p:sp>
+        <p:nvSpPr>
+          <p:cNvPr id="3" name="Content Placeholder 2"/>
+          <p:cNvSpPr>
+            <a:spLocks noGrp="1"/>
+          </p:cNvSpPr>
+          <p:nvPr>
+            <p:ph idx="1"/>
+          </p:nvPr>
+        </p:nvSpPr>
+        <p:spPr/>
+        <p:txBody>
+          <a:bodyPr/>
+          <a:lstStyle/>
+          <a:p>
+            <a:pPr>
+              <a:buNone/>
+            </a:pPr>
+            <a:endParaRPr lang="en-US" dirty="0"/>
+          </a:p>
+        </p:txBody>
+      </p:sp>
+    </p:spTree>
+  </p:cSld>
+  <p:clrMapOvr>
+    <a:masterClrMapping/>
+  </p:clrMapOvr>
+</p:sld>
+</file>
+
+<file path=ppt/slides/slide7.xml><?xml version="1.0" encoding="utf-8"?>
+<p:sld xmlns:a="http://schemas.openxmlformats.org/drawingml/2006/main" xmlns:r="http://schemas.openxmlformats.org/officeDocument/2006/relationships" xmlns:p="http://schemas.openxmlformats.org/presentationml/2006/main">
+  <p:cSld>
+    <p:spTree>
+      <p:nvGrpSpPr>
+        <p:cNvPr id="1" name=""/>
+        <p:cNvGrpSpPr/>
+        <p:nvPr/>
+      </p:nvGrpSpPr>
+      <p:grpSpPr>
+        <a:xfrm>
+          <a:off x="0" y="0"/>
+          <a:ext cx="0" cy="0"/>
+          <a:chOff x="0" y="0"/>
+          <a:chExt cx="0" cy="0"/>
+        </a:xfrm>
+      </p:grpSpPr>
+      <p:sp>
+        <p:nvSpPr>
           <p:cNvPr id="4" name="Title 3"/>
           <p:cNvSpPr>
             <a:spLocks noGrp="1"/>
@@ -3900,7 +3983,7 @@
     </p:spTree>
     <p:extLst>
       <p:ext uri="{BB962C8B-B14F-4D97-AF65-F5344CB8AC3E}">
-        <p14:creationId xmlns:p14="http://schemas.microsoft.com/office/powerpoint/2010/main" val="70852522"/>
+        <p14:creationId xmlns:p14="http://schemas.microsoft.com/office/powerpoint/2010/main" xmlns="" val="70852522"/>
       </p:ext>
     </p:extLst>
   </p:cSld>
@@ -3910,7 +3993,7 @@
   <p:timing>
     <p:tnLst>
       <p:par>
-        <p:cTn xmlns:p14="http://schemas.microsoft.com/office/powerpoint/2010/main" id="1" dur="indefinite" restart="never" nodeType="tmRoot"/>
+        <p:cTn id="1" dur="indefinite" restart="never" nodeType="tmRoot"/>
       </p:par>
     </p:tnLst>
   </p:timing>

--- a/Presentation1.pptx
+++ b/Presentation1.pptx
@@ -112,7 +112,7 @@
   </p:defaultTextStyle>
   <p:extLst>
     <p:ext uri="{EFAFB233-063F-42B5-8137-9DF3F51BA10A}">
-      <p15:sldGuideLst xmlns="" xmlns:p15="http://schemas.microsoft.com/office/powerpoint/2012/main">
+      <p15:sldGuideLst xmlns:p15="http://schemas.microsoft.com/office/powerpoint/2012/main" xmlns="">
         <p15:guide id="1" orient="horz" pos="2160">
           <p15:clr>
             <a:srgbClr val="A4A3A4"/>
@@ -369,7 +369,7 @@
     </p:spTree>
     <p:extLst>
       <p:ext uri="{BB962C8B-B14F-4D97-AF65-F5344CB8AC3E}">
-        <p14:creationId xmlns:p14="http://schemas.microsoft.com/office/powerpoint/2010/main" xmlns="" val="341704989"/>
+        <p14:creationId xmlns="" xmlns:p14="http://schemas.microsoft.com/office/powerpoint/2010/main" val="341704989"/>
       </p:ext>
     </p:extLst>
   </p:cSld>
@@ -541,7 +541,7 @@
     </p:spTree>
     <p:extLst>
       <p:ext uri="{BB962C8B-B14F-4D97-AF65-F5344CB8AC3E}">
-        <p14:creationId xmlns:p14="http://schemas.microsoft.com/office/powerpoint/2010/main" xmlns="" val="2287581780"/>
+        <p14:creationId xmlns="" xmlns:p14="http://schemas.microsoft.com/office/powerpoint/2010/main" val="2287581780"/>
       </p:ext>
     </p:extLst>
   </p:cSld>
@@ -723,7 +723,7 @@
     </p:spTree>
     <p:extLst>
       <p:ext uri="{BB962C8B-B14F-4D97-AF65-F5344CB8AC3E}">
-        <p14:creationId xmlns:p14="http://schemas.microsoft.com/office/powerpoint/2010/main" xmlns="" val="2068506392"/>
+        <p14:creationId xmlns="" xmlns:p14="http://schemas.microsoft.com/office/powerpoint/2010/main" val="2068506392"/>
       </p:ext>
     </p:extLst>
   </p:cSld>
@@ -895,7 +895,7 @@
     </p:spTree>
     <p:extLst>
       <p:ext uri="{BB962C8B-B14F-4D97-AF65-F5344CB8AC3E}">
-        <p14:creationId xmlns:p14="http://schemas.microsoft.com/office/powerpoint/2010/main" xmlns="" val="2665072657"/>
+        <p14:creationId xmlns="" xmlns:p14="http://schemas.microsoft.com/office/powerpoint/2010/main" val="2665072657"/>
       </p:ext>
     </p:extLst>
   </p:cSld>
@@ -1143,7 +1143,7 @@
     </p:spTree>
     <p:extLst>
       <p:ext uri="{BB962C8B-B14F-4D97-AF65-F5344CB8AC3E}">
-        <p14:creationId xmlns:p14="http://schemas.microsoft.com/office/powerpoint/2010/main" xmlns="" val="410318227"/>
+        <p14:creationId xmlns="" xmlns:p14="http://schemas.microsoft.com/office/powerpoint/2010/main" val="410318227"/>
       </p:ext>
     </p:extLst>
   </p:cSld>
@@ -1433,7 +1433,7 @@
     </p:spTree>
     <p:extLst>
       <p:ext uri="{BB962C8B-B14F-4D97-AF65-F5344CB8AC3E}">
-        <p14:creationId xmlns:p14="http://schemas.microsoft.com/office/powerpoint/2010/main" xmlns="" val="4204725180"/>
+        <p14:creationId xmlns="" xmlns:p14="http://schemas.microsoft.com/office/powerpoint/2010/main" val="4204725180"/>
       </p:ext>
     </p:extLst>
   </p:cSld>
@@ -1857,7 +1857,7 @@
     </p:spTree>
     <p:extLst>
       <p:ext uri="{BB962C8B-B14F-4D97-AF65-F5344CB8AC3E}">
-        <p14:creationId xmlns:p14="http://schemas.microsoft.com/office/powerpoint/2010/main" xmlns="" val="1985187014"/>
+        <p14:creationId xmlns="" xmlns:p14="http://schemas.microsoft.com/office/powerpoint/2010/main" val="1985187014"/>
       </p:ext>
     </p:extLst>
   </p:cSld>
@@ -1977,7 +1977,7 @@
     </p:spTree>
     <p:extLst>
       <p:ext uri="{BB962C8B-B14F-4D97-AF65-F5344CB8AC3E}">
-        <p14:creationId xmlns:p14="http://schemas.microsoft.com/office/powerpoint/2010/main" xmlns="" val="3589716167"/>
+        <p14:creationId xmlns="" xmlns:p14="http://schemas.microsoft.com/office/powerpoint/2010/main" val="3589716167"/>
       </p:ext>
     </p:extLst>
   </p:cSld>
@@ -2074,7 +2074,7 @@
     </p:spTree>
     <p:extLst>
       <p:ext uri="{BB962C8B-B14F-4D97-AF65-F5344CB8AC3E}">
-        <p14:creationId xmlns:p14="http://schemas.microsoft.com/office/powerpoint/2010/main" xmlns="" val="1160809676"/>
+        <p14:creationId xmlns="" xmlns:p14="http://schemas.microsoft.com/office/powerpoint/2010/main" val="1160809676"/>
       </p:ext>
     </p:extLst>
   </p:cSld>
@@ -2353,7 +2353,7 @@
     </p:spTree>
     <p:extLst>
       <p:ext uri="{BB962C8B-B14F-4D97-AF65-F5344CB8AC3E}">
-        <p14:creationId xmlns:p14="http://schemas.microsoft.com/office/powerpoint/2010/main" xmlns="" val="2946926832"/>
+        <p14:creationId xmlns="" xmlns:p14="http://schemas.microsoft.com/office/powerpoint/2010/main" val="2946926832"/>
       </p:ext>
     </p:extLst>
   </p:cSld>
@@ -2608,7 +2608,7 @@
     </p:spTree>
     <p:extLst>
       <p:ext uri="{BB962C8B-B14F-4D97-AF65-F5344CB8AC3E}">
-        <p14:creationId xmlns:p14="http://schemas.microsoft.com/office/powerpoint/2010/main" xmlns="" val="447715972"/>
+        <p14:creationId xmlns="" xmlns:p14="http://schemas.microsoft.com/office/powerpoint/2010/main" val="447715972"/>
       </p:ext>
     </p:extLst>
   </p:cSld>
@@ -2859,7 +2859,7 @@
     </p:spTree>
     <p:extLst>
       <p:ext uri="{BB962C8B-B14F-4D97-AF65-F5344CB8AC3E}">
-        <p14:creationId xmlns:p14="http://schemas.microsoft.com/office/powerpoint/2010/main" xmlns="" val="2503872057"/>
+        <p14:creationId xmlns="" xmlns:p14="http://schemas.microsoft.com/office/powerpoint/2010/main" val="2503872057"/>
       </p:ext>
     </p:extLst>
   </p:cSld>
@@ -3253,7 +3253,7 @@
     </p:spTree>
     <p:extLst>
       <p:ext uri="{BB962C8B-B14F-4D97-AF65-F5344CB8AC3E}">
-        <p14:creationId xmlns:p14="http://schemas.microsoft.com/office/powerpoint/2010/main" xmlns="" val="598410345"/>
+        <p14:creationId xmlns="" xmlns:p14="http://schemas.microsoft.com/office/powerpoint/2010/main" val="598410345"/>
       </p:ext>
     </p:extLst>
   </p:cSld>
@@ -3367,7 +3367,7 @@
           <a:blip r:embed="rId2">
             <a:extLst>
               <a:ext uri="{28A0092B-C50C-407E-A947-70E740481C1C}">
-                <a14:useLocalDpi xmlns:a14="http://schemas.microsoft.com/office/drawing/2010/main" xmlns="" val="0"/>
+                <a14:useLocalDpi xmlns="" xmlns:a14="http://schemas.microsoft.com/office/drawing/2010/main" val="0"/>
               </a:ext>
             </a:extLst>
           </a:blip>
@@ -3387,7 +3387,7 @@
     </p:spTree>
     <p:extLst>
       <p:ext uri="{BB962C8B-B14F-4D97-AF65-F5344CB8AC3E}">
-        <p14:creationId xmlns:p14="http://schemas.microsoft.com/office/powerpoint/2010/main" xmlns="" val="3378250564"/>
+        <p14:creationId xmlns="" xmlns:p14="http://schemas.microsoft.com/office/powerpoint/2010/main" val="3378250564"/>
       </p:ext>
     </p:extLst>
   </p:cSld>
@@ -3534,7 +3534,7 @@
           <a:blip r:embed="rId2">
             <a:extLst>
               <a:ext uri="{28A0092B-C50C-407E-A947-70E740481C1C}">
-                <a14:useLocalDpi xmlns:a14="http://schemas.microsoft.com/office/drawing/2010/main" xmlns="" val="0"/>
+                <a14:useLocalDpi xmlns="" xmlns:a14="http://schemas.microsoft.com/office/drawing/2010/main" val="0"/>
               </a:ext>
             </a:extLst>
           </a:blip>
@@ -3554,7 +3554,7 @@
           <a:noFill/>
           <a:extLst>
             <a:ext uri="{909E8E84-426E-40dd-AFC4-6F175D3DCCD1}">
-              <a14:hiddenFill xmlns:a14="http://schemas.microsoft.com/office/drawing/2010/main" xmlns="">
+              <a14:hiddenFill xmlns="" xmlns:a14="http://schemas.microsoft.com/office/drawing/2010/main">
                 <a:solidFill>
                   <a:srgbClr val="FFFFFF"/>
                 </a:solidFill>
@@ -3575,7 +3575,7 @@
           <a:blip r:embed="rId3">
             <a:extLst>
               <a:ext uri="{28A0092B-C50C-407E-A947-70E740481C1C}">
-                <a14:useLocalDpi xmlns:a14="http://schemas.microsoft.com/office/drawing/2010/main" xmlns="" val="0"/>
+                <a14:useLocalDpi xmlns="" xmlns:a14="http://schemas.microsoft.com/office/drawing/2010/main" val="0"/>
               </a:ext>
             </a:extLst>
           </a:blip>
@@ -3596,7 +3596,7 @@
     </p:spTree>
     <p:extLst>
       <p:ext uri="{BB962C8B-B14F-4D97-AF65-F5344CB8AC3E}">
-        <p14:creationId xmlns:p14="http://schemas.microsoft.com/office/powerpoint/2010/main" xmlns="" val="3476780197"/>
+        <p14:creationId xmlns="" xmlns:p14="http://schemas.microsoft.com/office/powerpoint/2010/main" val="3476780197"/>
       </p:ext>
     </p:extLst>
   </p:cSld>
@@ -3728,7 +3728,7 @@
     </p:spTree>
     <p:extLst>
       <p:ext uri="{BB962C8B-B14F-4D97-AF65-F5344CB8AC3E}">
-        <p14:creationId xmlns:p14="http://schemas.microsoft.com/office/powerpoint/2010/main" xmlns="" val="2030053010"/>
+        <p14:creationId xmlns="" xmlns:p14="http://schemas.microsoft.com/office/powerpoint/2010/main" val="2030053010"/>
       </p:ext>
     </p:extLst>
   </p:cSld>
@@ -3846,7 +3846,7 @@
     </p:spTree>
     <p:extLst>
       <p:ext uri="{BB962C8B-B14F-4D97-AF65-F5344CB8AC3E}">
-        <p14:creationId xmlns:p14="http://schemas.microsoft.com/office/powerpoint/2010/main" xmlns="" val="545706399"/>
+        <p14:creationId xmlns="" xmlns:p14="http://schemas.microsoft.com/office/powerpoint/2010/main" val="545706399"/>
       </p:ext>
     </p:extLst>
   </p:cSld>
@@ -3899,7 +3899,7 @@
           <a:p>
             <a:r>
               <a:rPr lang="en-US" dirty="0" smtClean="0"/>
-              <a:t>A Blank Slide</a:t>
+              <a:t> </a:t>
             </a:r>
             <a:endParaRPr lang="en-US" dirty="0"/>
           </a:p>
@@ -3920,9 +3920,13 @@
           <a:bodyPr/>
           <a:lstStyle/>
           <a:p>
-            <a:pPr>
+            <a:pPr algn="ctr">
               <a:buNone/>
             </a:pPr>
+            <a:r>
+              <a:rPr lang="en-US" dirty="0" smtClean="0"/>
+              <a:t>[Slide unintentionally left blank]</a:t>
+            </a:r>
             <a:endParaRPr lang="en-US" dirty="0"/>
           </a:p>
         </p:txBody>
@@ -3983,7 +3987,7 @@
     </p:spTree>
     <p:extLst>
       <p:ext uri="{BB962C8B-B14F-4D97-AF65-F5344CB8AC3E}">
-        <p14:creationId xmlns:p14="http://schemas.microsoft.com/office/powerpoint/2010/main" xmlns="" val="70852522"/>
+        <p14:creationId xmlns="" xmlns:p14="http://schemas.microsoft.com/office/powerpoint/2010/main" val="70852522"/>
       </p:ext>
     </p:extLst>
   </p:cSld>
